--- a/docs/diagrams/ModelComponentClassDiagram.pptx
+++ b/docs/diagrams/ModelComponentClassDiagram.pptx
@@ -5,10 +5,10 @@
     <p:sldMasterId id="2147483648" r:id="rId1"/>
   </p:sldMasterIdLst>
   <p:notesMasterIdLst>
-    <p:notesMasterId r:id="rId3"/>
+    <p:notesMasterId r:id="rId4"/>
   </p:notesMasterIdLst>
   <p:sldIdLst>
-    <p:sldId id="263" r:id="rId2"/>
+    <p:sldId id="263" r:id="rId3"/>
   </p:sldIdLst>
   <p:sldSz cx="9144000" cy="6858000" type="screen4x3"/>
   <p:notesSz cx="6858000" cy="9144000"/>
@@ -192,7 +192,6 @@
           <a:p>
             <a:fld id="{F5CC4B3F-88C1-4FFA-B1B6-F41C21DC6924}" type="datetimeFigureOut">
               <a:rPr lang="en-US" smtClean="0"/>
-              <a:t>11/19/2016</a:t>
             </a:fld>
             <a:endParaRPr lang="en-US"/>
           </a:p>
@@ -259,6 +258,7 @@
               <a:rPr lang="en-US" smtClean="0"/>
               <a:t>Click to edit Master text styles</a:t>
             </a:r>
+            <a:endParaRPr lang="en-US" smtClean="0"/>
           </a:p>
           <a:p>
             <a:pPr lvl="1"/>
@@ -266,6 +266,7 @@
               <a:rPr lang="en-US" smtClean="0"/>
               <a:t>Second level</a:t>
             </a:r>
+            <a:endParaRPr lang="en-US" smtClean="0"/>
           </a:p>
           <a:p>
             <a:pPr lvl="2"/>
@@ -273,6 +274,7 @@
               <a:rPr lang="en-US" smtClean="0"/>
               <a:t>Third level</a:t>
             </a:r>
+            <a:endParaRPr lang="en-US" smtClean="0"/>
           </a:p>
           <a:p>
             <a:pPr lvl="3"/>
@@ -280,6 +282,7 @@
               <a:rPr lang="en-US" smtClean="0"/>
               <a:t>Fourth level</a:t>
             </a:r>
+            <a:endParaRPr lang="en-US" smtClean="0"/>
           </a:p>
           <a:p>
             <a:pPr lvl="4"/>
@@ -351,18 +354,12 @@
           <a:p>
             <a:fld id="{5A7AB025-77E3-4BD1-A2FD-B3183DBA47A3}" type="slidenum">
               <a:rPr lang="en-US" smtClean="0"/>
-              <a:t>‹#›</a:t>
             </a:fld>
             <a:endParaRPr lang="en-US"/>
           </a:p>
         </p:txBody>
       </p:sp>
     </p:spTree>
-    <p:extLst>
-      <p:ext uri="{BB962C8B-B14F-4D97-AF65-F5344CB8AC3E}">
-        <p14:creationId xmlns:p14="http://schemas.microsoft.com/office/powerpoint/2010/main" val="2023976206"/>
-      </p:ext>
-    </p:extLst>
   </p:cSld>
   <p:clrMap bg1="lt1" tx1="dk1" bg2="lt2" tx2="dk2" accent1="accent1" accent2="accent2" accent3="accent3" accent4="accent4" accent5="accent5" accent6="accent6" hlink="hlink" folHlink="folHlink"/>
   <p:notesStyle>
@@ -641,7 +638,6 @@
           <a:p>
             <a:fld id="{78C97017-6FC3-485B-9764-EAC9E56C1D49}" type="datetimeFigureOut">
               <a:rPr lang="en-US" smtClean="0"/>
-              <a:t>11/19/2016</a:t>
             </a:fld>
             <a:endParaRPr lang="en-US"/>
           </a:p>
@@ -683,18 +679,12 @@
           <a:p>
             <a:fld id="{FB34683C-161B-4520-BF45-B179E228CF2A}" type="slidenum">
               <a:rPr lang="en-US" smtClean="0"/>
-              <a:t>‹#›</a:t>
             </a:fld>
             <a:endParaRPr lang="en-US"/>
           </a:p>
         </p:txBody>
       </p:sp>
     </p:spTree>
-    <p:extLst>
-      <p:ext uri="{BB962C8B-B14F-4D97-AF65-F5344CB8AC3E}">
-        <p14:creationId xmlns:p14="http://schemas.microsoft.com/office/powerpoint/2010/main" val="3246593157"/>
-      </p:ext>
-    </p:extLst>
   </p:cSld>
   <p:clrMapOvr>
     <a:masterClrMapping/>
@@ -762,6 +752,7 @@
               <a:rPr lang="en-US" smtClean="0"/>
               <a:t>Click to edit Master text styles</a:t>
             </a:r>
+            <a:endParaRPr lang="en-US" smtClean="0"/>
           </a:p>
           <a:p>
             <a:pPr lvl="1"/>
@@ -769,6 +760,7 @@
               <a:rPr lang="en-US" smtClean="0"/>
               <a:t>Second level</a:t>
             </a:r>
+            <a:endParaRPr lang="en-US" smtClean="0"/>
           </a:p>
           <a:p>
             <a:pPr lvl="2"/>
@@ -776,6 +768,7 @@
               <a:rPr lang="en-US" smtClean="0"/>
               <a:t>Third level</a:t>
             </a:r>
+            <a:endParaRPr lang="en-US" smtClean="0"/>
           </a:p>
           <a:p>
             <a:pPr lvl="3"/>
@@ -783,6 +776,7 @@
               <a:rPr lang="en-US" smtClean="0"/>
               <a:t>Fourth level</a:t>
             </a:r>
+            <a:endParaRPr lang="en-US" smtClean="0"/>
           </a:p>
           <a:p>
             <a:pPr lvl="4"/>
@@ -811,7 +805,6 @@
           <a:p>
             <a:fld id="{78C97017-6FC3-485B-9764-EAC9E56C1D49}" type="datetimeFigureOut">
               <a:rPr lang="en-US" smtClean="0"/>
-              <a:t>11/19/2016</a:t>
             </a:fld>
             <a:endParaRPr lang="en-US"/>
           </a:p>
@@ -853,18 +846,12 @@
           <a:p>
             <a:fld id="{FB34683C-161B-4520-BF45-B179E228CF2A}" type="slidenum">
               <a:rPr lang="en-US" smtClean="0"/>
-              <a:t>‹#›</a:t>
             </a:fld>
             <a:endParaRPr lang="en-US"/>
           </a:p>
         </p:txBody>
       </p:sp>
     </p:spTree>
-    <p:extLst>
-      <p:ext uri="{BB962C8B-B14F-4D97-AF65-F5344CB8AC3E}">
-        <p14:creationId xmlns:p14="http://schemas.microsoft.com/office/powerpoint/2010/main" val="2707025021"/>
-      </p:ext>
-    </p:extLst>
   </p:cSld>
   <p:clrMapOvr>
     <a:masterClrMapping/>
@@ -942,6 +929,7 @@
               <a:rPr lang="en-US" smtClean="0"/>
               <a:t>Click to edit Master text styles</a:t>
             </a:r>
+            <a:endParaRPr lang="en-US" smtClean="0"/>
           </a:p>
           <a:p>
             <a:pPr lvl="1"/>
@@ -949,6 +937,7 @@
               <a:rPr lang="en-US" smtClean="0"/>
               <a:t>Second level</a:t>
             </a:r>
+            <a:endParaRPr lang="en-US" smtClean="0"/>
           </a:p>
           <a:p>
             <a:pPr lvl="2"/>
@@ -956,6 +945,7 @@
               <a:rPr lang="en-US" smtClean="0"/>
               <a:t>Third level</a:t>
             </a:r>
+            <a:endParaRPr lang="en-US" smtClean="0"/>
           </a:p>
           <a:p>
             <a:pPr lvl="3"/>
@@ -963,6 +953,7 @@
               <a:rPr lang="en-US" smtClean="0"/>
               <a:t>Fourth level</a:t>
             </a:r>
+            <a:endParaRPr lang="en-US" smtClean="0"/>
           </a:p>
           <a:p>
             <a:pPr lvl="4"/>
@@ -991,7 +982,6 @@
           <a:p>
             <a:fld id="{78C97017-6FC3-485B-9764-EAC9E56C1D49}" type="datetimeFigureOut">
               <a:rPr lang="en-US" smtClean="0"/>
-              <a:t>11/19/2016</a:t>
             </a:fld>
             <a:endParaRPr lang="en-US"/>
           </a:p>
@@ -1033,18 +1023,12 @@
           <a:p>
             <a:fld id="{FB34683C-161B-4520-BF45-B179E228CF2A}" type="slidenum">
               <a:rPr lang="en-US" smtClean="0"/>
-              <a:t>‹#›</a:t>
             </a:fld>
             <a:endParaRPr lang="en-US"/>
           </a:p>
         </p:txBody>
       </p:sp>
     </p:spTree>
-    <p:extLst>
-      <p:ext uri="{BB962C8B-B14F-4D97-AF65-F5344CB8AC3E}">
-        <p14:creationId xmlns:p14="http://schemas.microsoft.com/office/powerpoint/2010/main" val="568378986"/>
-      </p:ext>
-    </p:extLst>
   </p:cSld>
   <p:clrMapOvr>
     <a:masterClrMapping/>
@@ -1112,6 +1096,7 @@
               <a:rPr lang="en-US" smtClean="0"/>
               <a:t>Click to edit Master text styles</a:t>
             </a:r>
+            <a:endParaRPr lang="en-US" smtClean="0"/>
           </a:p>
           <a:p>
             <a:pPr lvl="1"/>
@@ -1119,6 +1104,7 @@
               <a:rPr lang="en-US" smtClean="0"/>
               <a:t>Second level</a:t>
             </a:r>
+            <a:endParaRPr lang="en-US" smtClean="0"/>
           </a:p>
           <a:p>
             <a:pPr lvl="2"/>
@@ -1126,6 +1112,7 @@
               <a:rPr lang="en-US" smtClean="0"/>
               <a:t>Third level</a:t>
             </a:r>
+            <a:endParaRPr lang="en-US" smtClean="0"/>
           </a:p>
           <a:p>
             <a:pPr lvl="3"/>
@@ -1133,6 +1120,7 @@
               <a:rPr lang="en-US" smtClean="0"/>
               <a:t>Fourth level</a:t>
             </a:r>
+            <a:endParaRPr lang="en-US" smtClean="0"/>
           </a:p>
           <a:p>
             <a:pPr lvl="4"/>
@@ -1161,7 +1149,6 @@
           <a:p>
             <a:fld id="{78C97017-6FC3-485B-9764-EAC9E56C1D49}" type="datetimeFigureOut">
               <a:rPr lang="en-US" smtClean="0"/>
-              <a:t>11/19/2016</a:t>
             </a:fld>
             <a:endParaRPr lang="en-US"/>
           </a:p>
@@ -1203,18 +1190,12 @@
           <a:p>
             <a:fld id="{FB34683C-161B-4520-BF45-B179E228CF2A}" type="slidenum">
               <a:rPr lang="en-US" smtClean="0"/>
-              <a:t>‹#›</a:t>
             </a:fld>
             <a:endParaRPr lang="en-US"/>
           </a:p>
         </p:txBody>
       </p:sp>
     </p:spTree>
-    <p:extLst>
-      <p:ext uri="{BB962C8B-B14F-4D97-AF65-F5344CB8AC3E}">
-        <p14:creationId xmlns:p14="http://schemas.microsoft.com/office/powerpoint/2010/main" val="266658052"/>
-      </p:ext>
-    </p:extLst>
   </p:cSld>
   <p:clrMapOvr>
     <a:masterClrMapping/>
@@ -1407,7 +1388,6 @@
           <a:p>
             <a:fld id="{78C97017-6FC3-485B-9764-EAC9E56C1D49}" type="datetimeFigureOut">
               <a:rPr lang="en-US" smtClean="0"/>
-              <a:t>11/19/2016</a:t>
             </a:fld>
             <a:endParaRPr lang="en-US"/>
           </a:p>
@@ -1449,18 +1429,12 @@
           <a:p>
             <a:fld id="{FB34683C-161B-4520-BF45-B179E228CF2A}" type="slidenum">
               <a:rPr lang="en-US" smtClean="0"/>
-              <a:t>‹#›</a:t>
             </a:fld>
             <a:endParaRPr lang="en-US"/>
           </a:p>
         </p:txBody>
       </p:sp>
     </p:spTree>
-    <p:extLst>
-      <p:ext uri="{BB962C8B-B14F-4D97-AF65-F5344CB8AC3E}">
-        <p14:creationId xmlns:p14="http://schemas.microsoft.com/office/powerpoint/2010/main" val="474686344"/>
-      </p:ext>
-    </p:extLst>
   </p:cSld>
   <p:clrMapOvr>
     <a:masterClrMapping/>
@@ -1561,6 +1535,7 @@
               <a:rPr lang="en-US" smtClean="0"/>
               <a:t>Click to edit Master text styles</a:t>
             </a:r>
+            <a:endParaRPr lang="en-US" smtClean="0"/>
           </a:p>
           <a:p>
             <a:pPr lvl="1"/>
@@ -1568,6 +1543,7 @@
               <a:rPr lang="en-US" smtClean="0"/>
               <a:t>Second level</a:t>
             </a:r>
+            <a:endParaRPr lang="en-US" smtClean="0"/>
           </a:p>
           <a:p>
             <a:pPr lvl="2"/>
@@ -1575,6 +1551,7 @@
               <a:rPr lang="en-US" smtClean="0"/>
               <a:t>Third level</a:t>
             </a:r>
+            <a:endParaRPr lang="en-US" smtClean="0"/>
           </a:p>
           <a:p>
             <a:pPr lvl="3"/>
@@ -1582,6 +1559,7 @@
               <a:rPr lang="en-US" smtClean="0"/>
               <a:t>Fourth level</a:t>
             </a:r>
+            <a:endParaRPr lang="en-US" smtClean="0"/>
           </a:p>
           <a:p>
             <a:pPr lvl="4"/>
@@ -1646,6 +1624,7 @@
               <a:rPr lang="en-US" smtClean="0"/>
               <a:t>Click to edit Master text styles</a:t>
             </a:r>
+            <a:endParaRPr lang="en-US" smtClean="0"/>
           </a:p>
           <a:p>
             <a:pPr lvl="1"/>
@@ -1653,6 +1632,7 @@
               <a:rPr lang="en-US" smtClean="0"/>
               <a:t>Second level</a:t>
             </a:r>
+            <a:endParaRPr lang="en-US" smtClean="0"/>
           </a:p>
           <a:p>
             <a:pPr lvl="2"/>
@@ -1660,6 +1640,7 @@
               <a:rPr lang="en-US" smtClean="0"/>
               <a:t>Third level</a:t>
             </a:r>
+            <a:endParaRPr lang="en-US" smtClean="0"/>
           </a:p>
           <a:p>
             <a:pPr lvl="3"/>
@@ -1667,6 +1648,7 @@
               <a:rPr lang="en-US" smtClean="0"/>
               <a:t>Fourth level</a:t>
             </a:r>
+            <a:endParaRPr lang="en-US" smtClean="0"/>
           </a:p>
           <a:p>
             <a:pPr lvl="4"/>
@@ -1695,7 +1677,6 @@
           <a:p>
             <a:fld id="{78C97017-6FC3-485B-9764-EAC9E56C1D49}" type="datetimeFigureOut">
               <a:rPr lang="en-US" smtClean="0"/>
-              <a:t>11/19/2016</a:t>
             </a:fld>
             <a:endParaRPr lang="en-US"/>
           </a:p>
@@ -1737,18 +1718,12 @@
           <a:p>
             <a:fld id="{FB34683C-161B-4520-BF45-B179E228CF2A}" type="slidenum">
               <a:rPr lang="en-US" smtClean="0"/>
-              <a:t>‹#›</a:t>
             </a:fld>
             <a:endParaRPr lang="en-US"/>
           </a:p>
         </p:txBody>
       </p:sp>
     </p:spTree>
-    <p:extLst>
-      <p:ext uri="{BB962C8B-B14F-4D97-AF65-F5344CB8AC3E}">
-        <p14:creationId xmlns:p14="http://schemas.microsoft.com/office/powerpoint/2010/main" val="562293251"/>
-      </p:ext>
-    </p:extLst>
   </p:cSld>
   <p:clrMapOvr>
     <a:masterClrMapping/>
@@ -1918,6 +1893,7 @@
               <a:rPr lang="en-US" smtClean="0"/>
               <a:t>Click to edit Master text styles</a:t>
             </a:r>
+            <a:endParaRPr lang="en-US" smtClean="0"/>
           </a:p>
           <a:p>
             <a:pPr lvl="1"/>
@@ -1925,6 +1901,7 @@
               <a:rPr lang="en-US" smtClean="0"/>
               <a:t>Second level</a:t>
             </a:r>
+            <a:endParaRPr lang="en-US" smtClean="0"/>
           </a:p>
           <a:p>
             <a:pPr lvl="2"/>
@@ -1932,6 +1909,7 @@
               <a:rPr lang="en-US" smtClean="0"/>
               <a:t>Third level</a:t>
             </a:r>
+            <a:endParaRPr lang="en-US" smtClean="0"/>
           </a:p>
           <a:p>
             <a:pPr lvl="3"/>
@@ -1939,6 +1917,7 @@
               <a:rPr lang="en-US" smtClean="0"/>
               <a:t>Fourth level</a:t>
             </a:r>
+            <a:endParaRPr lang="en-US" smtClean="0"/>
           </a:p>
           <a:p>
             <a:pPr lvl="4"/>
@@ -2068,6 +2047,7 @@
               <a:rPr lang="en-US" smtClean="0"/>
               <a:t>Click to edit Master text styles</a:t>
             </a:r>
+            <a:endParaRPr lang="en-US" smtClean="0"/>
           </a:p>
           <a:p>
             <a:pPr lvl="1"/>
@@ -2075,6 +2055,7 @@
               <a:rPr lang="en-US" smtClean="0"/>
               <a:t>Second level</a:t>
             </a:r>
+            <a:endParaRPr lang="en-US" smtClean="0"/>
           </a:p>
           <a:p>
             <a:pPr lvl="2"/>
@@ -2082,6 +2063,7 @@
               <a:rPr lang="en-US" smtClean="0"/>
               <a:t>Third level</a:t>
             </a:r>
+            <a:endParaRPr lang="en-US" smtClean="0"/>
           </a:p>
           <a:p>
             <a:pPr lvl="3"/>
@@ -2089,6 +2071,7 @@
               <a:rPr lang="en-US" smtClean="0"/>
               <a:t>Fourth level</a:t>
             </a:r>
+            <a:endParaRPr lang="en-US" smtClean="0"/>
           </a:p>
           <a:p>
             <a:pPr lvl="4"/>
@@ -2117,7 +2100,6 @@
           <a:p>
             <a:fld id="{78C97017-6FC3-485B-9764-EAC9E56C1D49}" type="datetimeFigureOut">
               <a:rPr lang="en-US" smtClean="0"/>
-              <a:t>11/19/2016</a:t>
             </a:fld>
             <a:endParaRPr lang="en-US"/>
           </a:p>
@@ -2159,18 +2141,12 @@
           <a:p>
             <a:fld id="{FB34683C-161B-4520-BF45-B179E228CF2A}" type="slidenum">
               <a:rPr lang="en-US" smtClean="0"/>
-              <a:t>‹#›</a:t>
             </a:fld>
             <a:endParaRPr lang="en-US"/>
           </a:p>
         </p:txBody>
       </p:sp>
     </p:spTree>
-    <p:extLst>
-      <p:ext uri="{BB962C8B-B14F-4D97-AF65-F5344CB8AC3E}">
-        <p14:creationId xmlns:p14="http://schemas.microsoft.com/office/powerpoint/2010/main" val="1126424250"/>
-      </p:ext>
-    </p:extLst>
   </p:cSld>
   <p:clrMapOvr>
     <a:masterClrMapping/>
@@ -2235,7 +2211,6 @@
           <a:p>
             <a:fld id="{78C97017-6FC3-485B-9764-EAC9E56C1D49}" type="datetimeFigureOut">
               <a:rPr lang="en-US" smtClean="0"/>
-              <a:t>11/19/2016</a:t>
             </a:fld>
             <a:endParaRPr lang="en-US"/>
           </a:p>
@@ -2277,18 +2252,12 @@
           <a:p>
             <a:fld id="{FB34683C-161B-4520-BF45-B179E228CF2A}" type="slidenum">
               <a:rPr lang="en-US" smtClean="0"/>
-              <a:t>‹#›</a:t>
             </a:fld>
             <a:endParaRPr lang="en-US"/>
           </a:p>
         </p:txBody>
       </p:sp>
     </p:spTree>
-    <p:extLst>
-      <p:ext uri="{BB962C8B-B14F-4D97-AF65-F5344CB8AC3E}">
-        <p14:creationId xmlns:p14="http://schemas.microsoft.com/office/powerpoint/2010/main" val="4159724230"/>
-      </p:ext>
-    </p:extLst>
   </p:cSld>
   <p:clrMapOvr>
     <a:masterClrMapping/>
@@ -2330,7 +2299,6 @@
           <a:p>
             <a:fld id="{78C97017-6FC3-485B-9764-EAC9E56C1D49}" type="datetimeFigureOut">
               <a:rPr lang="en-US" smtClean="0"/>
-              <a:t>11/19/2016</a:t>
             </a:fld>
             <a:endParaRPr lang="en-US"/>
           </a:p>
@@ -2372,18 +2340,12 @@
           <a:p>
             <a:fld id="{FB34683C-161B-4520-BF45-B179E228CF2A}" type="slidenum">
               <a:rPr lang="en-US" smtClean="0"/>
-              <a:t>‹#›</a:t>
             </a:fld>
             <a:endParaRPr lang="en-US"/>
           </a:p>
         </p:txBody>
       </p:sp>
     </p:spTree>
-    <p:extLst>
-      <p:ext uri="{BB962C8B-B14F-4D97-AF65-F5344CB8AC3E}">
-        <p14:creationId xmlns:p14="http://schemas.microsoft.com/office/powerpoint/2010/main" val="1793928710"/>
-      </p:ext>
-    </p:extLst>
   </p:cSld>
   <p:clrMapOvr>
     <a:masterClrMapping/>
@@ -2493,6 +2455,7 @@
               <a:rPr lang="en-US" smtClean="0"/>
               <a:t>Click to edit Master text styles</a:t>
             </a:r>
+            <a:endParaRPr lang="en-US" smtClean="0"/>
           </a:p>
           <a:p>
             <a:pPr lvl="1"/>
@@ -2500,6 +2463,7 @@
               <a:rPr lang="en-US" smtClean="0"/>
               <a:t>Second level</a:t>
             </a:r>
+            <a:endParaRPr lang="en-US" smtClean="0"/>
           </a:p>
           <a:p>
             <a:pPr lvl="2"/>
@@ -2507,6 +2471,7 @@
               <a:rPr lang="en-US" smtClean="0"/>
               <a:t>Third level</a:t>
             </a:r>
+            <a:endParaRPr lang="en-US" smtClean="0"/>
           </a:p>
           <a:p>
             <a:pPr lvl="3"/>
@@ -2514,6 +2479,7 @@
               <a:rPr lang="en-US" smtClean="0"/>
               <a:t>Fourth level</a:t>
             </a:r>
+            <a:endParaRPr lang="en-US" smtClean="0"/>
           </a:p>
           <a:p>
             <a:pPr lvl="4"/>
@@ -2607,7 +2573,6 @@
           <a:p>
             <a:fld id="{78C97017-6FC3-485B-9764-EAC9E56C1D49}" type="datetimeFigureOut">
               <a:rPr lang="en-US" smtClean="0"/>
-              <a:t>11/19/2016</a:t>
             </a:fld>
             <a:endParaRPr lang="en-US"/>
           </a:p>
@@ -2649,18 +2614,12 @@
           <a:p>
             <a:fld id="{FB34683C-161B-4520-BF45-B179E228CF2A}" type="slidenum">
               <a:rPr lang="en-US" smtClean="0"/>
-              <a:t>‹#›</a:t>
             </a:fld>
             <a:endParaRPr lang="en-US"/>
           </a:p>
         </p:txBody>
       </p:sp>
     </p:spTree>
-    <p:extLst>
-      <p:ext uri="{BB962C8B-B14F-4D97-AF65-F5344CB8AC3E}">
-        <p14:creationId xmlns:p14="http://schemas.microsoft.com/office/powerpoint/2010/main" val="2076802089"/>
-      </p:ext>
-    </p:extLst>
   </p:cSld>
   <p:clrMapOvr>
     <a:masterClrMapping/>
@@ -2860,7 +2819,6 @@
           <a:p>
             <a:fld id="{78C97017-6FC3-485B-9764-EAC9E56C1D49}" type="datetimeFigureOut">
               <a:rPr lang="en-US" smtClean="0"/>
-              <a:t>11/19/2016</a:t>
             </a:fld>
             <a:endParaRPr lang="en-US"/>
           </a:p>
@@ -2902,18 +2860,12 @@
           <a:p>
             <a:fld id="{FB34683C-161B-4520-BF45-B179E228CF2A}" type="slidenum">
               <a:rPr lang="en-US" smtClean="0"/>
-              <a:t>‹#›</a:t>
             </a:fld>
             <a:endParaRPr lang="en-US"/>
           </a:p>
         </p:txBody>
       </p:sp>
     </p:spTree>
-    <p:extLst>
-      <p:ext uri="{BB962C8B-B14F-4D97-AF65-F5344CB8AC3E}">
-        <p14:creationId xmlns:p14="http://schemas.microsoft.com/office/powerpoint/2010/main" val="201835938"/>
-      </p:ext>
-    </p:extLst>
   </p:cSld>
   <p:clrMapOvr>
     <a:masterClrMapping/>
@@ -3006,6 +2958,7 @@
               <a:rPr lang="en-US" smtClean="0"/>
               <a:t>Click to edit Master text styles</a:t>
             </a:r>
+            <a:endParaRPr lang="en-US" smtClean="0"/>
           </a:p>
           <a:p>
             <a:pPr lvl="1"/>
@@ -3013,6 +2966,7 @@
               <a:rPr lang="en-US" smtClean="0"/>
               <a:t>Second level</a:t>
             </a:r>
+            <a:endParaRPr lang="en-US" smtClean="0"/>
           </a:p>
           <a:p>
             <a:pPr lvl="2"/>
@@ -3020,6 +2974,7 @@
               <a:rPr lang="en-US" smtClean="0"/>
               <a:t>Third level</a:t>
             </a:r>
+            <a:endParaRPr lang="en-US" smtClean="0"/>
           </a:p>
           <a:p>
             <a:pPr lvl="3"/>
@@ -3027,6 +2982,7 @@
               <a:rPr lang="en-US" smtClean="0"/>
               <a:t>Fourth level</a:t>
             </a:r>
+            <a:endParaRPr lang="en-US" smtClean="0"/>
           </a:p>
           <a:p>
             <a:pPr lvl="4"/>
@@ -3073,7 +3029,6 @@
           <a:p>
             <a:fld id="{78C97017-6FC3-485B-9764-EAC9E56C1D49}" type="datetimeFigureOut">
               <a:rPr lang="en-US" smtClean="0"/>
-              <a:t>11/19/2016</a:t>
             </a:fld>
             <a:endParaRPr lang="en-US"/>
           </a:p>
@@ -3151,18 +3106,12 @@
           <a:p>
             <a:fld id="{FB34683C-161B-4520-BF45-B179E228CF2A}" type="slidenum">
               <a:rPr lang="en-US" smtClean="0"/>
-              <a:t>‹#›</a:t>
             </a:fld>
             <a:endParaRPr lang="en-US"/>
           </a:p>
         </p:txBody>
       </p:sp>
     </p:spTree>
-    <p:extLst>
-      <p:ext uri="{BB962C8B-B14F-4D97-AF65-F5344CB8AC3E}">
-        <p14:creationId xmlns:p14="http://schemas.microsoft.com/office/powerpoint/2010/main" val="2341400630"/>
-      </p:ext>
-    </p:extLst>
   </p:cSld>
   <p:clrMap bg1="lt1" tx1="dk1" bg2="lt2" tx2="dk2" accent1="accent1" accent2="accent2" accent3="accent3" accent4="accent4" accent5="accent5" accent6="accent6" hlink="hlink" folHlink="folHlink"/>
   <p:sldLayoutIdLst>
@@ -3200,7 +3149,7 @@
         <a:spcBef>
           <a:spcPct val="20000"/>
         </a:spcBef>
-        <a:buFont typeface="Arial" panose="020B0604020202020204" pitchFamily="34" charset="0"/>
+        <a:buFont typeface="Arial" pitchFamily="34" charset="0"/>
         <a:buChar char="•"/>
         <a:defRPr sz="3200" kern="1200">
           <a:solidFill>
@@ -3215,7 +3164,7 @@
         <a:spcBef>
           <a:spcPct val="20000"/>
         </a:spcBef>
-        <a:buFont typeface="Arial" panose="020B0604020202020204" pitchFamily="34" charset="0"/>
+        <a:buFont typeface="Arial" pitchFamily="34" charset="0"/>
         <a:buChar char="–"/>
         <a:defRPr sz="2800" kern="1200">
           <a:solidFill>
@@ -3230,7 +3179,7 @@
         <a:spcBef>
           <a:spcPct val="20000"/>
         </a:spcBef>
-        <a:buFont typeface="Arial" panose="020B0604020202020204" pitchFamily="34" charset="0"/>
+        <a:buFont typeface="Arial" pitchFamily="34" charset="0"/>
         <a:buChar char="•"/>
         <a:defRPr sz="2400" kern="1200">
           <a:solidFill>
@@ -3245,7 +3194,7 @@
         <a:spcBef>
           <a:spcPct val="20000"/>
         </a:spcBef>
-        <a:buFont typeface="Arial" panose="020B0604020202020204" pitchFamily="34" charset="0"/>
+        <a:buFont typeface="Arial" pitchFamily="34" charset="0"/>
         <a:buChar char="–"/>
         <a:defRPr sz="2000" kern="1200">
           <a:solidFill>
@@ -3260,7 +3209,7 @@
         <a:spcBef>
           <a:spcPct val="20000"/>
         </a:spcBef>
-        <a:buFont typeface="Arial" panose="020B0604020202020204" pitchFamily="34" charset="0"/>
+        <a:buFont typeface="Arial" pitchFamily="34" charset="0"/>
         <a:buChar char="»"/>
         <a:defRPr sz="2000" kern="1200">
           <a:solidFill>
@@ -3275,7 +3224,7 @@
         <a:spcBef>
           <a:spcPct val="20000"/>
         </a:spcBef>
-        <a:buFont typeface="Arial" panose="020B0604020202020204" pitchFamily="34" charset="0"/>
+        <a:buFont typeface="Arial" pitchFamily="34" charset="0"/>
         <a:buChar char="•"/>
         <a:defRPr sz="2000" kern="1200">
           <a:solidFill>
@@ -3290,7 +3239,7 @@
         <a:spcBef>
           <a:spcPct val="20000"/>
         </a:spcBef>
-        <a:buFont typeface="Arial" panose="020B0604020202020204" pitchFamily="34" charset="0"/>
+        <a:buFont typeface="Arial" pitchFamily="34" charset="0"/>
         <a:buChar char="•"/>
         <a:defRPr sz="2000" kern="1200">
           <a:solidFill>
@@ -3305,7 +3254,7 @@
         <a:spcBef>
           <a:spcPct val="20000"/>
         </a:spcBef>
-        <a:buFont typeface="Arial" panose="020B0604020202020204" pitchFamily="34" charset="0"/>
+        <a:buFont typeface="Arial" pitchFamily="34" charset="0"/>
         <a:buChar char="•"/>
         <a:defRPr sz="2000" kern="1200">
           <a:solidFill>
@@ -3320,7 +3269,7 @@
         <a:spcBef>
           <a:spcPct val="20000"/>
         </a:spcBef>
-        <a:buFont typeface="Arial" panose="020B0604020202020204" pitchFamily="34" charset="0"/>
+        <a:buFont typeface="Arial" pitchFamily="34" charset="0"/>
         <a:buChar char="•"/>
         <a:defRPr sz="2000" kern="1200">
           <a:solidFill>
@@ -3494,14 +3443,14 @@
           <a:lstStyle/>
           <a:p>
             <a:r>
-              <a:rPr lang="en-US" sz="1200" b="1" dirty="0" smtClean="0">
+              <a:rPr lang="en-US" sz="1200" dirty="0" smtClean="0">
                 <a:solidFill>
                   <a:srgbClr val="7030A0"/>
                 </a:solidFill>
               </a:rPr>
               <a:t>Model</a:t>
             </a:r>
-            <a:endParaRPr lang="en-SG" sz="1200" b="1" dirty="0">
+            <a:endParaRPr lang="en-US" sz="1200" dirty="0" smtClean="0">
               <a:solidFill>
                 <a:srgbClr val="7030A0"/>
               </a:solidFill>
@@ -3560,7 +3509,7 @@
               </a:rPr>
               <a:t>UserPref</a:t>
             </a:r>
-            <a:endParaRPr lang="en-SG" sz="1050" dirty="0">
+            <a:endParaRPr lang="en-US" sz="1050" dirty="0" err="1" smtClean="0">
               <a:solidFill>
                 <a:schemeClr val="bg1"/>
               </a:solidFill>
@@ -3619,7 +3568,7 @@
               </a:rPr>
               <a:t>ModelManager</a:t>
             </a:r>
-            <a:endParaRPr lang="en-SG" sz="1050" dirty="0">
+            <a:endParaRPr lang="en-US" sz="1050" dirty="0" err="1" smtClean="0">
               <a:solidFill>
                 <a:schemeClr val="bg1"/>
               </a:solidFill>
@@ -3763,6 +3712,11 @@
               </a:rPr>
               <a:t>&lt;&lt;interface&gt;&gt;</a:t>
             </a:r>
+            <a:endParaRPr lang="en-US" sz="1050" dirty="0">
+              <a:solidFill>
+                <a:schemeClr val="bg1"/>
+              </a:solidFill>
+            </a:endParaRPr>
           </a:p>
           <a:p>
             <a:pPr algn="ctr"/>
@@ -3913,7 +3867,7 @@
           <a:lstStyle/>
           <a:p>
             <a:pPr algn="ctr"/>
-            <a:endParaRPr lang="en-SG" sz="1050" b="1">
+            <a:endParaRPr lang="en-SG" sz="1050">
               <a:solidFill>
                 <a:srgbClr val="92D050"/>
               </a:solidFill>
@@ -4091,14 +4045,14 @@
           <a:p>
             <a:pPr algn="ctr"/>
             <a:r>
-              <a:rPr lang="en-US" sz="1050" dirty="0" err="1" smtClean="0">
+              <a:rPr lang="en-SG" sz="1050" dirty="0" err="1" smtClean="0">
                 <a:solidFill>
                   <a:srgbClr val="7030A0"/>
                 </a:solidFill>
               </a:rPr>
-              <a:t>AddressBook</a:t>
-            </a:r>
-            <a:endParaRPr lang="en-SG" sz="1050" dirty="0">
+              <a:t>TaskManager</a:t>
+            </a:r>
+            <a:endParaRPr lang="en-SG" sz="1050" dirty="0" err="1" smtClean="0">
               <a:solidFill>
                 <a:srgbClr val="7030A0"/>
               </a:solidFill>
@@ -4201,7 +4155,7 @@
         <p:spPr>
           <a:xfrm>
             <a:off x="4487017" y="2847371"/>
-            <a:ext cx="1156969" cy="346760"/>
+            <a:ext cx="1224009" cy="346760"/>
           </a:xfrm>
           <a:prstGeom prst="rect">
             <a:avLst/>
@@ -4238,9 +4192,25 @@
                   <a:srgbClr val="7030A0"/>
                 </a:solidFill>
               </a:rPr>
-              <a:t>UniquePersonList</a:t>
-            </a:r>
-            <a:endParaRPr lang="en-SG" sz="1050" dirty="0">
+              <a:t>Unique</a:t>
+            </a:r>
+            <a:r>
+              <a:rPr lang="en-SG" altLang="en-US" sz="1050" dirty="0" err="1" smtClean="0">
+                <a:solidFill>
+                  <a:srgbClr val="7030A0"/>
+                </a:solidFill>
+              </a:rPr>
+              <a:t>Task</a:t>
+            </a:r>
+            <a:r>
+              <a:rPr lang="en-US" sz="1050" dirty="0" err="1" smtClean="0">
+                <a:solidFill>
+                  <a:srgbClr val="7030A0"/>
+                </a:solidFill>
+              </a:rPr>
+              <a:t>List</a:t>
+            </a:r>
+            <a:endParaRPr lang="en-US" sz="1050" dirty="0" err="1" smtClean="0">
               <a:solidFill>
                 <a:srgbClr val="7030A0"/>
               </a:solidFill>
@@ -4306,11 +4276,13 @@
         </p:nvCxnSpPr>
         <p:spPr>
           <a:xfrm>
-            <a:off x="4220351" y="2760681"/>
-            <a:ext cx="266666" cy="260070"/>
+            <a:off x="4220210" y="2760980"/>
+            <a:ext cx="266700" cy="259715"/>
           </a:xfrm>
           <a:prstGeom prst="bentConnector3">
-            <a:avLst/>
+            <a:avLst>
+              <a:gd name="adj1" fmla="val 50000"/>
+            </a:avLst>
           </a:prstGeom>
           <a:ln w="19050">
             <a:solidFill>
@@ -4384,7 +4356,7 @@
               </a:rPr>
               <a:t>UniqueTagList</a:t>
             </a:r>
-            <a:endParaRPr lang="en-SG" sz="1050" dirty="0">
+            <a:endParaRPr lang="en-US" sz="1050" dirty="0" err="1" smtClean="0">
               <a:solidFill>
                 <a:srgbClr val="7030A0"/>
               </a:solidFill>
@@ -4476,14 +4448,14 @@
           <a:p>
             <a:pPr algn="ctr"/>
             <a:r>
-              <a:rPr lang="en-US" sz="1050" dirty="0" smtClean="0">
+              <a:rPr lang="en-SG" sz="1050" dirty="0" smtClean="0">
                 <a:solidFill>
                   <a:srgbClr val="7030A0"/>
                 </a:solidFill>
               </a:rPr>
-              <a:t>Person</a:t>
-            </a:r>
-            <a:endParaRPr lang="en-SG" sz="1050" dirty="0">
+              <a:t>Task</a:t>
+            </a:r>
+            <a:endParaRPr lang="en-SG" sz="1050" dirty="0" smtClean="0">
               <a:solidFill>
                 <a:srgbClr val="7030A0"/>
               </a:solidFill>
@@ -4499,7 +4471,7 @@
         </p:nvSpPr>
         <p:spPr>
           <a:xfrm>
-            <a:off x="5643227" y="2943979"/>
+            <a:off x="5719427" y="2943979"/>
             <a:ext cx="236048" cy="173380"/>
           </a:xfrm>
           <a:prstGeom prst="flowChartDecision">
@@ -4539,16 +4511,13 @@
       <p:cxnSp>
         <p:nvCxnSpPr>
           <p:cNvPr id="64" name="Elbow Connector 63"/>
-          <p:cNvCxnSpPr>
-            <a:stCxn id="63" idx="3"/>
-            <a:endCxn id="62" idx="1"/>
-          </p:cNvCxnSpPr>
+          <p:cNvCxnSpPr/>
           <p:nvPr/>
         </p:nvCxnSpPr>
         <p:spPr>
           <a:xfrm>
-            <a:off x="5879275" y="3030669"/>
-            <a:ext cx="434402" cy="777"/>
+            <a:off x="5955475" y="3030669"/>
+            <a:ext cx="360003" cy="777"/>
           </a:xfrm>
           <a:prstGeom prst="bentConnector3">
             <a:avLst/>
@@ -4625,7 +4594,7 @@
               </a:rPr>
               <a:t>Tag</a:t>
             </a:r>
-            <a:endParaRPr lang="en-SG" sz="1050" dirty="0">
+            <a:endParaRPr lang="en-US" sz="1050" dirty="0" smtClean="0">
               <a:solidFill>
                 <a:srgbClr val="7030A0"/>
               </a:solidFill>
@@ -4780,9 +4749,17 @@
                   <a:srgbClr val="7030A0"/>
                 </a:solidFill>
               </a:rPr>
-              <a:t>ReadOnlyPerson</a:t>
-            </a:r>
-            <a:endParaRPr lang="en-SG" sz="1050" dirty="0">
+              <a:t>ReadOnly</a:t>
+            </a:r>
+            <a:r>
+              <a:rPr lang="en-SG" altLang="en-US" sz="1050" dirty="0" err="1" smtClean="0">
+                <a:solidFill>
+                  <a:srgbClr val="7030A0"/>
+                </a:solidFill>
+              </a:rPr>
+              <a:t>Task</a:t>
+            </a:r>
+            <a:endParaRPr lang="en-SG" altLang="en-US" sz="1050" dirty="0" err="1" smtClean="0">
               <a:solidFill>
                 <a:srgbClr val="7030A0"/>
               </a:solidFill>
@@ -4798,8 +4775,8 @@
         </p:nvSpPr>
         <p:spPr>
           <a:xfrm>
-            <a:off x="7712397" y="2564238"/>
-            <a:ext cx="708186" cy="285783"/>
+            <a:off x="7713980" y="2564130"/>
+            <a:ext cx="864006" cy="285750"/>
           </a:xfrm>
           <a:prstGeom prst="rect">
             <a:avLst/>
@@ -4831,14 +4808,14 @@
           <a:p>
             <a:pPr algn="ctr"/>
             <a:r>
-              <a:rPr lang="en-US" sz="1050" dirty="0" smtClean="0">
+              <a:rPr lang="en-US" sz="1000" dirty="0" smtClean="0">
                 <a:solidFill>
                   <a:srgbClr val="7030A0"/>
                 </a:solidFill>
               </a:rPr>
-              <a:t>Name</a:t>
-            </a:r>
-            <a:endParaRPr lang="en-SG" sz="1050" dirty="0">
+              <a:t>TaskName</a:t>
+            </a:r>
+            <a:endParaRPr lang="en-US" sz="1000" dirty="0" smtClean="0">
               <a:solidFill>
                 <a:srgbClr val="7030A0"/>
               </a:solidFill>
@@ -4904,11 +4881,13 @@
         </p:nvCxnSpPr>
         <p:spPr>
           <a:xfrm flipV="1">
-            <a:off x="7277995" y="2707130"/>
-            <a:ext cx="434402" cy="327761"/>
+            <a:off x="7278370" y="2707005"/>
+            <a:ext cx="435610" cy="328295"/>
           </a:xfrm>
           <a:prstGeom prst="bentConnector3">
-            <a:avLst/>
+            <a:avLst>
+              <a:gd name="adj1" fmla="val 50000"/>
+            </a:avLst>
           </a:prstGeom>
           <a:ln w="19050">
             <a:solidFill>
@@ -4942,8 +4921,8 @@
         </p:nvSpPr>
         <p:spPr>
           <a:xfrm>
-            <a:off x="7712397" y="2887216"/>
-            <a:ext cx="708186" cy="285783"/>
+            <a:off x="7713345" y="2887345"/>
+            <a:ext cx="864006" cy="285750"/>
           </a:xfrm>
           <a:prstGeom prst="rect">
             <a:avLst/>
@@ -4975,14 +4954,14 @@
           <a:p>
             <a:pPr algn="ctr"/>
             <a:r>
-              <a:rPr lang="en-US" sz="1050" dirty="0" smtClean="0">
+              <a:rPr lang="en-US" sz="1000" dirty="0" smtClean="0">
                 <a:solidFill>
                   <a:srgbClr val="7030A0"/>
                 </a:solidFill>
               </a:rPr>
-              <a:t>Phone</a:t>
-            </a:r>
-            <a:endParaRPr lang="en-SG" sz="1050" dirty="0">
+              <a:t>Deadline</a:t>
+            </a:r>
+            <a:endParaRPr lang="en-US" sz="1000" dirty="0" smtClean="0">
               <a:solidFill>
                 <a:srgbClr val="7030A0"/>
               </a:solidFill>
@@ -5001,11 +4980,13 @@
         </p:nvCxnSpPr>
         <p:spPr>
           <a:xfrm flipV="1">
-            <a:off x="7277995" y="3030108"/>
-            <a:ext cx="434402" cy="4783"/>
+            <a:off x="7278370" y="3030220"/>
+            <a:ext cx="434975" cy="5080"/>
           </a:xfrm>
           <a:prstGeom prst="bentConnector3">
-            <a:avLst/>
+            <a:avLst>
+              <a:gd name="adj1" fmla="val 50073"/>
+            </a:avLst>
           </a:prstGeom>
           <a:ln w="19050">
             <a:solidFill>
@@ -5039,8 +5020,8 @@
         </p:nvSpPr>
         <p:spPr>
           <a:xfrm>
-            <a:off x="7712397" y="3210194"/>
-            <a:ext cx="708186" cy="285783"/>
+            <a:off x="7712710" y="3209925"/>
+            <a:ext cx="864006" cy="285750"/>
           </a:xfrm>
           <a:prstGeom prst="rect">
             <a:avLst/>
@@ -5072,14 +5053,14 @@
           <a:p>
             <a:pPr algn="ctr"/>
             <a:r>
-              <a:rPr lang="en-US" sz="1050" dirty="0" smtClean="0">
+              <a:rPr lang="en-US" sz="1000" dirty="0" smtClean="0">
                 <a:solidFill>
                   <a:srgbClr val="7030A0"/>
                 </a:solidFill>
               </a:rPr>
-              <a:t>Email</a:t>
-            </a:r>
-            <a:endParaRPr lang="en-SG" sz="1050" dirty="0">
+              <a:t>PriorityLevel</a:t>
+            </a:r>
+            <a:endParaRPr lang="en-US" sz="1000" dirty="0" smtClean="0">
               <a:solidFill>
                 <a:srgbClr val="7030A0"/>
               </a:solidFill>
@@ -5098,11 +5079,13 @@
         </p:nvCxnSpPr>
         <p:spPr>
           <a:xfrm>
-            <a:off x="7277995" y="3034891"/>
-            <a:ext cx="434402" cy="318195"/>
+            <a:off x="7278370" y="3035300"/>
+            <a:ext cx="434340" cy="317500"/>
           </a:xfrm>
           <a:prstGeom prst="bentConnector3">
-            <a:avLst/>
+            <a:avLst>
+              <a:gd name="adj1" fmla="val 50000"/>
+            </a:avLst>
           </a:prstGeom>
           <a:ln w="19050">
             <a:solidFill>
@@ -5136,8 +5119,8 @@
         </p:nvSpPr>
         <p:spPr>
           <a:xfrm>
-            <a:off x="7712397" y="3533171"/>
-            <a:ext cx="708186" cy="285783"/>
+            <a:off x="7712710" y="3533140"/>
+            <a:ext cx="864006" cy="285750"/>
           </a:xfrm>
           <a:prstGeom prst="rect">
             <a:avLst/>
@@ -5169,14 +5152,14 @@
           <a:p>
             <a:pPr algn="ctr"/>
             <a:r>
-              <a:rPr lang="en-US" sz="1050" dirty="0" smtClean="0">
+              <a:rPr lang="en-US" sz="1000" dirty="0" smtClean="0">
                 <a:solidFill>
                   <a:srgbClr val="7030A0"/>
                 </a:solidFill>
               </a:rPr>
-              <a:t>Address</a:t>
-            </a:r>
-            <a:endParaRPr lang="en-SG" sz="1050" dirty="0">
+              <a:t>Information</a:t>
+            </a:r>
+            <a:endParaRPr lang="en-US" sz="1000" dirty="0" smtClean="0">
               <a:solidFill>
                 <a:srgbClr val="7030A0"/>
               </a:solidFill>
@@ -5195,11 +5178,13 @@
         </p:nvCxnSpPr>
         <p:spPr>
           <a:xfrm>
-            <a:off x="7277995" y="3034891"/>
-            <a:ext cx="434402" cy="641172"/>
+            <a:off x="7278370" y="3035300"/>
+            <a:ext cx="434340" cy="640715"/>
           </a:xfrm>
           <a:prstGeom prst="bentConnector3">
-            <a:avLst/>
+            <a:avLst>
+              <a:gd name="adj1" fmla="val 50000"/>
+            </a:avLst>
           </a:prstGeom>
           <a:ln w="19050">
             <a:solidFill>
@@ -5308,7 +5293,7 @@
           <a:lstStyle/>
           <a:p>
             <a:pPr algn="ctr"/>
-            <a:endParaRPr lang="en-SG" sz="1050" b="1">
+            <a:endParaRPr lang="en-SG" sz="1050">
               <a:solidFill>
                 <a:srgbClr val="92D050"/>
               </a:solidFill>
@@ -5377,9 +5362,17 @@
                   <a:srgbClr val="7030A0"/>
                 </a:solidFill>
               </a:rPr>
-              <a:t>ReadOnlyAddressBook</a:t>
-            </a:r>
-            <a:endParaRPr lang="en-SG" sz="1050" dirty="0">
+              <a:t>ReadOnly</a:t>
+            </a:r>
+            <a:r>
+              <a:rPr lang="en-SG" altLang="en-US" sz="1050" dirty="0" err="1" smtClean="0">
+                <a:solidFill>
+                  <a:srgbClr val="7030A0"/>
+                </a:solidFill>
+              </a:rPr>
+              <a:t>TaskManager</a:t>
+            </a:r>
+            <a:endParaRPr lang="en-SG" altLang="en-US" sz="1050" dirty="0" err="1" smtClean="0">
               <a:solidFill>
                 <a:srgbClr val="7030A0"/>
               </a:solidFill>
@@ -5396,7 +5389,7 @@
         <p:spPr>
           <a:xfrm rot="16200000">
             <a:off x="6527512" y="3586305"/>
-            <a:ext cx="881018" cy="261610"/>
+            <a:ext cx="881018" cy="260350"/>
           </a:xfrm>
           <a:prstGeom prst="rect">
             <a:avLst/>
@@ -5418,7 +5411,7 @@
               </a:rPr>
               <a:t>filtered list</a:t>
             </a:r>
-            <a:endParaRPr lang="en-SG" sz="1100" dirty="0">
+            <a:endParaRPr lang="en-US" sz="1100" dirty="0" smtClean="0">
               <a:solidFill>
                 <a:srgbClr val="7030A0"/>
               </a:solidFill>
@@ -5435,7 +5428,7 @@
         <p:spPr>
           <a:xfrm>
             <a:off x="2057400" y="4239491"/>
-            <a:ext cx="1775949" cy="346760"/>
+            <a:ext cx="1872014" cy="346760"/>
           </a:xfrm>
           <a:prstGeom prst="rect">
             <a:avLst/>
@@ -5474,14 +5467,6 @@
               </a:rPr>
               <a:t>&lt;&lt;interface&gt;&gt;</a:t>
             </a:r>
-            <a:r>
-              <a:rPr lang="en-US" sz="1050" dirty="0">
-                <a:solidFill>
-                  <a:srgbClr val="7030A0"/>
-                </a:solidFill>
-              </a:rPr>
-              <a:t/>
-            </a:r>
             <a:br>
               <a:rPr lang="en-US" sz="1050" dirty="0">
                 <a:solidFill>
@@ -5515,9 +5500,9 @@
           <p:nvPr/>
         </p:nvCxnSpPr>
         <p:spPr>
-          <a:xfrm rot="16200000" flipH="1">
-            <a:off x="1364475" y="3719945"/>
-            <a:ext cx="831471" cy="554380"/>
+          <a:xfrm rot="5400000" flipV="1">
+            <a:off x="1364615" y="3719830"/>
+            <a:ext cx="831215" cy="554355"/>
           </a:xfrm>
           <a:prstGeom prst="bentConnector2">
             <a:avLst/>
@@ -5619,7 +5604,7 @@
               </a:rPr>
               <a:t>1</a:t>
             </a:r>
-            <a:endParaRPr lang="en-SG" sz="1100" dirty="0">
+            <a:endParaRPr lang="en-US" sz="1100" dirty="0" smtClean="0">
               <a:solidFill>
                 <a:srgbClr val="7030A0"/>
               </a:solidFill>
@@ -5658,7 +5643,7 @@
               </a:rPr>
               <a:t>1</a:t>
             </a:r>
-            <a:endParaRPr lang="en-SG" sz="1100" dirty="0">
+            <a:endParaRPr lang="en-US" sz="1100" dirty="0" smtClean="0">
               <a:solidFill>
                 <a:srgbClr val="7030A0"/>
               </a:solidFill>
@@ -5697,7 +5682,7 @@
               </a:rPr>
               <a:t>1</a:t>
             </a:r>
-            <a:endParaRPr lang="en-SG" sz="1100" dirty="0">
+            <a:endParaRPr lang="en-US" sz="1100" dirty="0" smtClean="0">
               <a:solidFill>
                 <a:srgbClr val="7030A0"/>
               </a:solidFill>
@@ -5736,7 +5721,7 @@
               </a:rPr>
               <a:t>*</a:t>
             </a:r>
-            <a:endParaRPr lang="en-SG" sz="1100" dirty="0">
+            <a:endParaRPr lang="en-US" sz="1100" dirty="0" smtClean="0">
               <a:solidFill>
                 <a:srgbClr val="7030A0"/>
               </a:solidFill>
@@ -5752,7 +5737,7 @@
         </p:nvSpPr>
         <p:spPr>
           <a:xfrm>
-            <a:off x="6135256" y="3097917"/>
+            <a:off x="6172721" y="3123952"/>
             <a:ext cx="189257" cy="178683"/>
           </a:xfrm>
           <a:prstGeom prst="rect">
@@ -5775,7 +5760,7 @@
               </a:rPr>
               <a:t>*</a:t>
             </a:r>
-            <a:endParaRPr lang="en-SG" sz="1100" dirty="0">
+            <a:endParaRPr lang="en-US" sz="1100" dirty="0" smtClean="0">
               <a:solidFill>
                 <a:srgbClr val="7030A0"/>
               </a:solidFill>
@@ -5814,7 +5799,7 @@
               </a:rPr>
               <a:t>1</a:t>
             </a:r>
-            <a:endParaRPr lang="en-SG" sz="1100" dirty="0">
+            <a:endParaRPr lang="en-US" sz="1100" dirty="0" smtClean="0">
               <a:solidFill>
                 <a:srgbClr val="7030A0"/>
               </a:solidFill>
@@ -5853,7 +5838,7 @@
               </a:rPr>
               <a:t>1</a:t>
             </a:r>
-            <a:endParaRPr lang="en-SG" sz="1100" dirty="0">
+            <a:endParaRPr lang="en-US" sz="1100" dirty="0" smtClean="0">
               <a:solidFill>
                 <a:srgbClr val="7030A0"/>
               </a:solidFill>
@@ -5892,7 +5877,7 @@
               </a:rPr>
               <a:t>1</a:t>
             </a:r>
-            <a:endParaRPr lang="en-SG" sz="1100" dirty="0">
+            <a:endParaRPr lang="en-US" sz="1100" dirty="0" smtClean="0">
               <a:solidFill>
                 <a:srgbClr val="7030A0"/>
               </a:solidFill>
@@ -5901,11 +5886,6 @@
         </p:txBody>
       </p:sp>
     </p:spTree>
-    <p:extLst>
-      <p:ext uri="{BB962C8B-B14F-4D97-AF65-F5344CB8AC3E}">
-        <p14:creationId xmlns:p14="http://schemas.microsoft.com/office/powerpoint/2010/main" val="2396968029"/>
-      </p:ext>
-    </p:extLst>
   </p:cSld>
   <p:clrMapOvr>
     <a:masterClrMapping/>
@@ -6202,6 +6182,11 @@
   </a:themeElements>
   <a:objectDefaults/>
   <a:extraClrSchemeLst/>
+  <a:extLst>
+    <a:ext uri="{05A4C25C-085E-4340-85A3-A5531E510DB2}">
+      <thm15:themeFamily xmlns:thm15="http://schemas.microsoft.com/office/thememl/2012/main" name="Office Theme" id="{62F939B6-93AF-4DB8-9C6B-D6C7DFDC589F}" vid="{4A3C46E8-61CC-4603-A589-7422A47A8E4A}"/>
+    </a:ext>
+  </a:extLst>
 </a:theme>
 </file>
 
@@ -6487,5 +6472,10 @@
   </a:themeElements>
   <a:objectDefaults/>
   <a:extraClrSchemeLst/>
+  <a:extLst>
+    <a:ext uri="{05A4C25C-085E-4340-85A3-A5531E510DB2}">
+      <thm15:themeFamily xmlns:thm15="http://schemas.microsoft.com/office/thememl/2012/main" name="Office Theme" id="{62F939B6-93AF-4DB8-9C6B-D6C7DFDC589F}" vid="{4A3C46E8-61CC-4603-A589-7422A47A8E4A}"/>
+    </a:ext>
+  </a:extLst>
 </a:theme>
 </file>